--- a/presentation/presentation.pptx
+++ b/presentation/presentation.pptx
@@ -10,9 +10,8 @@
     <p:sldId id="262" r:id="rId4"/>
     <p:sldId id="263" r:id="rId5"/>
     <p:sldId id="257" r:id="rId6"/>
-    <p:sldId id="260" r:id="rId7"/>
-    <p:sldId id="259" r:id="rId8"/>
-    <p:sldId id="261" r:id="rId9"/>
+    <p:sldId id="259" r:id="rId7"/>
+    <p:sldId id="260" r:id="rId8"/>
   </p:sldIdLst>
   <p:sldSz cx="9144000" cy="6858000" type="screen4x3"/>
   <p:notesSz cx="6858000" cy="9144000"/>
@@ -4124,28 +4123,42 @@
               <a:t> </a:t>
             </a:r>
             <a:r>
-              <a:rPr lang="de-DE" sz="4000" dirty="0" err="1">
+              <a:rPr lang="de-DE" sz="4000" dirty="0" err="1" smtClean="0">
+                <a:latin typeface="Helvetica Neue"/>
+                <a:cs typeface="Helvetica Neue"/>
+              </a:rPr>
+              <a:t>does</a:t>
+            </a:r>
+            <a:r>
+              <a:rPr lang="de-DE" sz="4000" dirty="0" smtClean="0">
+                <a:latin typeface="Helvetica Neue"/>
+                <a:cs typeface="Helvetica Neue"/>
+              </a:rPr>
+              <a:t> </a:t>
+            </a:r>
+            <a:r>
+              <a:rPr lang="de-DE" sz="4000" dirty="0" err="1" smtClean="0">
                 <a:latin typeface="Helvetica Neue"/>
                 <a:cs typeface="Helvetica Neue"/>
               </a:rPr>
               <a:t>it</a:t>
             </a:r>
             <a:r>
-              <a:rPr lang="de-DE" sz="4000" dirty="0">
+              <a:rPr lang="de-DE" sz="4000" dirty="0" smtClean="0">
                 <a:latin typeface="Helvetica Neue"/>
                 <a:cs typeface="Helvetica Neue"/>
               </a:rPr>
               <a:t> </a:t>
             </a:r>
             <a:r>
-              <a:rPr lang="de-DE" sz="4000" dirty="0" err="1">
+              <a:rPr lang="de-DE" sz="4000" dirty="0" err="1" smtClean="0">
                 <a:latin typeface="Helvetica Neue"/>
                 <a:cs typeface="Helvetica Neue"/>
               </a:rPr>
-              <a:t>works</a:t>
-            </a:r>
-            <a:r>
-              <a:rPr lang="de-DE" sz="4000" dirty="0">
+              <a:t>work</a:t>
+            </a:r>
+            <a:r>
+              <a:rPr lang="de-DE" sz="4000" dirty="0" smtClean="0">
                 <a:latin typeface="Helvetica Neue"/>
                 <a:cs typeface="Helvetica Neue"/>
               </a:rPr>
@@ -5531,287 +5544,6 @@
                 <a:latin typeface="Helvetica Neue"/>
                 <a:cs typeface="Helvetica Neue"/>
               </a:rPr>
-              <a:t>Live </a:t>
-            </a:r>
-            <a:r>
-              <a:rPr lang="de-DE" dirty="0" err="1" smtClean="0">
-                <a:latin typeface="Helvetica Neue"/>
-                <a:cs typeface="Helvetica Neue"/>
-              </a:rPr>
-              <a:t>demo</a:t>
-            </a:r>
-            <a:endParaRPr lang="de-DE" dirty="0"/>
-          </a:p>
-        </p:txBody>
-      </p:sp>
-      <p:pic>
-        <p:nvPicPr>
-          <p:cNvPr id="7" name="Inhaltsplatzhalter 6" descr="silver-v2.png"/>
-          <p:cNvPicPr>
-            <a:picLocks noGrp="1" noChangeAspect="1"/>
-          </p:cNvPicPr>
-          <p:nvPr>
-            <p:ph idx="1"/>
-          </p:nvPr>
-        </p:nvPicPr>
-        <p:blipFill>
-          <a:blip r:embed="rId2">
-            <a:extLst>
-              <a:ext uri="{28A0092B-C50C-407E-A947-70E740481C1C}">
-                <a14:useLocalDpi xmlns:a14="http://schemas.microsoft.com/office/drawing/2010/main" val="0"/>
-              </a:ext>
-            </a:extLst>
-          </a:blip>
-          <a:srcRect l="-114176" r="-114176"/>
-          <a:stretch>
-            <a:fillRect/>
-          </a:stretch>
-        </p:blipFill>
-        <p:spPr>
-          <a:xfrm>
-            <a:off x="457200" y="925513"/>
-            <a:ext cx="8229600" cy="5200650"/>
-          </a:xfrm>
-        </p:spPr>
-      </p:pic>
-      <p:grpSp>
-        <p:nvGrpSpPr>
-          <p:cNvPr id="4" name="Gruppierung 3"/>
-          <p:cNvGrpSpPr/>
-          <p:nvPr/>
-        </p:nvGrpSpPr>
-        <p:grpSpPr>
-          <a:xfrm>
-            <a:off x="6423772" y="314328"/>
-            <a:ext cx="2263028" cy="399552"/>
-            <a:chOff x="6423772" y="314328"/>
-            <a:chExt cx="2263028" cy="399552"/>
-          </a:xfrm>
-        </p:grpSpPr>
-        <p:sp>
-          <p:nvSpPr>
-            <p:cNvPr id="5" name="Titel 1"/>
-            <p:cNvSpPr txBox="1">
-              <a:spLocks/>
-            </p:cNvSpPr>
-            <p:nvPr/>
-          </p:nvSpPr>
-          <p:spPr>
-            <a:xfrm>
-              <a:off x="7554676" y="330815"/>
-              <a:ext cx="1132124" cy="276509"/>
-            </a:xfrm>
-            <a:prstGeom prst="rect">
-              <a:avLst/>
-            </a:prstGeom>
-          </p:spPr>
-          <p:txBody>
-            <a:bodyPr vert="horz" lIns="91440" tIns="45720" rIns="91440" bIns="45720" rtlCol="0" anchor="ctr">
-              <a:noAutofit/>
-            </a:bodyPr>
-            <a:lstStyle>
-              <a:lvl1pPr algn="ctr" defTabSz="457200" rtl="0" eaLnBrk="1" latinLnBrk="0" hangingPunct="1">
-                <a:spcBef>
-                  <a:spcPct val="0"/>
-                </a:spcBef>
-                <a:buNone/>
-                <a:defRPr sz="4400" kern="1200">
-                  <a:solidFill>
-                    <a:schemeClr val="tx1"/>
-                  </a:solidFill>
-                  <a:latin typeface="+mj-lt"/>
-                  <a:ea typeface="+mj-ea"/>
-                  <a:cs typeface="+mj-cs"/>
-                </a:defRPr>
-              </a:lvl1pPr>
-            </a:lstStyle>
-            <a:p>
-              <a:r>
-                <a:rPr lang="de-DE" sz="2400" dirty="0" smtClean="0">
-                  <a:solidFill>
-                    <a:srgbClr val="888888"/>
-                  </a:solidFill>
-                  <a:latin typeface="Helvetica Neue"/>
-                  <a:cs typeface="Helvetica Neue"/>
-                </a:rPr>
-                <a:t>/</a:t>
-              </a:r>
-              <a:r>
-                <a:rPr lang="de-DE" sz="2400" dirty="0" err="1" smtClean="0">
-                  <a:solidFill>
-                    <a:srgbClr val="888888"/>
-                  </a:solidFill>
-                  <a:latin typeface="Helvetica Neue"/>
-                  <a:cs typeface="Helvetica Neue"/>
-                </a:rPr>
-                <a:t>now</a:t>
-              </a:r>
-              <a:endParaRPr lang="de-DE" sz="2400" dirty="0">
-                <a:solidFill>
-                  <a:srgbClr val="888888"/>
-                </a:solidFill>
-                <a:latin typeface="Helvetica Neue"/>
-                <a:cs typeface="Helvetica Neue"/>
-              </a:endParaRPr>
-            </a:p>
-          </p:txBody>
-        </p:sp>
-        <p:pic>
-          <p:nvPicPr>
-            <p:cNvPr id="6" name="Bild 5" descr="logo@2x_.png"/>
-            <p:cNvPicPr>
-              <a:picLocks noChangeAspect="1"/>
-            </p:cNvPicPr>
-            <p:nvPr/>
-          </p:nvPicPr>
-          <p:blipFill>
-            <a:blip r:embed="rId3">
-              <a:extLst>
-                <a:ext uri="{28A0092B-C50C-407E-A947-70E740481C1C}">
-                  <a14:useLocalDpi xmlns:a14="http://schemas.microsoft.com/office/drawing/2010/main" val="0"/>
-                </a:ext>
-              </a:extLst>
-            </a:blip>
-            <a:stretch>
-              <a:fillRect/>
-            </a:stretch>
-          </p:blipFill>
-          <p:spPr>
-            <a:xfrm>
-              <a:off x="6423772" y="314328"/>
-              <a:ext cx="1354415" cy="399552"/>
-            </a:xfrm>
-            <a:prstGeom prst="rect">
-              <a:avLst/>
-            </a:prstGeom>
-          </p:spPr>
-        </p:pic>
-      </p:grpSp>
-      <p:pic>
-        <p:nvPicPr>
-          <p:cNvPr id="10" name="Bild 9" descr="Bildschirmfoto 2014-07-06 um 11.03.22.png"/>
-          <p:cNvPicPr>
-            <a:picLocks noChangeAspect="1"/>
-          </p:cNvPicPr>
-          <p:nvPr/>
-        </p:nvPicPr>
-        <p:blipFill>
-          <a:blip r:embed="rId4">
-            <a:extLst>
-              <a:ext uri="{28A0092B-C50C-407E-A947-70E740481C1C}">
-                <a14:useLocalDpi xmlns:a14="http://schemas.microsoft.com/office/drawing/2010/main" val="0"/>
-              </a:ext>
-            </a:extLst>
-          </a:blip>
-          <a:stretch>
-            <a:fillRect/>
-          </a:stretch>
-        </p:blipFill>
-        <p:spPr>
-          <a:xfrm>
-            <a:off x="3464895" y="4017441"/>
-            <a:ext cx="2236463" cy="1076034"/>
-          </a:xfrm>
-          <a:prstGeom prst="rect">
-            <a:avLst/>
-          </a:prstGeom>
-        </p:spPr>
-      </p:pic>
-      <p:pic>
-        <p:nvPicPr>
-          <p:cNvPr id="11" name="Bild 10" descr="Bildschirmfoto 2014-07-06 um 13.10.30.png"/>
-          <p:cNvPicPr>
-            <a:picLocks noChangeAspect="1"/>
-          </p:cNvPicPr>
-          <p:nvPr/>
-        </p:nvPicPr>
-        <p:blipFill>
-          <a:blip r:embed="rId5">
-            <a:extLst>
-              <a:ext uri="{28A0092B-C50C-407E-A947-70E740481C1C}">
-                <a14:useLocalDpi xmlns:a14="http://schemas.microsoft.com/office/drawing/2010/main" val="0"/>
-              </a:ext>
-            </a:extLst>
-          </a:blip>
-          <a:stretch>
-            <a:fillRect/>
-          </a:stretch>
-        </p:blipFill>
-        <p:spPr>
-          <a:xfrm>
-            <a:off x="3457436" y="1680171"/>
-            <a:ext cx="2243922" cy="2504472"/>
-          </a:xfrm>
-          <a:prstGeom prst="rect">
-            <a:avLst/>
-          </a:prstGeom>
-        </p:spPr>
-      </p:pic>
-    </p:spTree>
-    <p:extLst>
-      <p:ext uri="{BB962C8B-B14F-4D97-AF65-F5344CB8AC3E}">
-        <p14:creationId xmlns:p14="http://schemas.microsoft.com/office/powerpoint/2010/main" val="3349118346"/>
-      </p:ext>
-    </p:extLst>
-  </p:cSld>
-  <p:clrMapOvr>
-    <a:masterClrMapping/>
-  </p:clrMapOvr>
-  <p:timing>
-    <p:tnLst>
-      <p:par>
-        <p:cTn xmlns:p14="http://schemas.microsoft.com/office/powerpoint/2010/main" id="1" dur="indefinite" restart="never" nodeType="tmRoot"/>
-      </p:par>
-    </p:tnLst>
-  </p:timing>
-</p:sld>
-</file>
-
-<file path=ppt/slides/slide7.xml><?xml version="1.0" encoding="utf-8"?>
-<p:sld xmlns:a="http://schemas.openxmlformats.org/drawingml/2006/main" xmlns:r="http://schemas.openxmlformats.org/officeDocument/2006/relationships" xmlns:p="http://schemas.openxmlformats.org/presentationml/2006/main">
-  <p:cSld>
-    <p:spTree>
-      <p:nvGrpSpPr>
-        <p:cNvPr id="1" name=""/>
-        <p:cNvGrpSpPr/>
-        <p:nvPr/>
-      </p:nvGrpSpPr>
-      <p:grpSpPr>
-        <a:xfrm>
-          <a:off x="0" y="0"/>
-          <a:ext cx="0" cy="0"/>
-          <a:chOff x="0" y="0"/>
-          <a:chExt cx="0" cy="0"/>
-        </a:xfrm>
-      </p:grpSpPr>
-      <p:sp>
-        <p:nvSpPr>
-          <p:cNvPr id="2" name="Titel 1"/>
-          <p:cNvSpPr>
-            <a:spLocks noGrp="1"/>
-          </p:cNvSpPr>
-          <p:nvPr>
-            <p:ph type="title"/>
-          </p:nvPr>
-        </p:nvSpPr>
-        <p:spPr>
-          <a:xfrm>
-            <a:off x="457200" y="274639"/>
-            <a:ext cx="8061767" cy="439242"/>
-          </a:xfrm>
-        </p:spPr>
-        <p:txBody>
-          <a:bodyPr>
-            <a:normAutofit fontScale="90000"/>
-          </a:bodyPr>
-          <a:lstStyle/>
-          <a:p>
-            <a:pPr algn="l"/>
-            <a:r>
-              <a:rPr lang="de-DE" dirty="0" smtClean="0">
-                <a:latin typeface="Helvetica Neue"/>
-                <a:cs typeface="Helvetica Neue"/>
-              </a:rPr>
               <a:t>Technologie</a:t>
             </a:r>
             <a:endParaRPr lang="de-DE" dirty="0"/>
@@ -6247,7 +5979,7 @@
 </p:sld>
 </file>
 
-<file path=ppt/slides/slide8.xml><?xml version="1.0" encoding="utf-8"?>
+<file path=ppt/slides/slide7.xml><?xml version="1.0" encoding="utf-8"?>
 <p:sld xmlns:a="http://schemas.openxmlformats.org/drawingml/2006/main" xmlns:r="http://schemas.openxmlformats.org/officeDocument/2006/relationships" xmlns:p="http://schemas.openxmlformats.org/presentationml/2006/main">
   <p:cSld>
     <p:spTree>
@@ -6292,111 +6024,49 @@
                 <a:latin typeface="Helvetica Neue"/>
                 <a:cs typeface="Helvetica Neue"/>
               </a:rPr>
-              <a:t>Who </a:t>
+              <a:t>Live </a:t>
             </a:r>
             <a:r>
               <a:rPr lang="de-DE" dirty="0" err="1" smtClean="0">
                 <a:latin typeface="Helvetica Neue"/>
                 <a:cs typeface="Helvetica Neue"/>
               </a:rPr>
-              <a:t>participates</a:t>
-            </a:r>
-            <a:r>
-              <a:rPr lang="de-DE" dirty="0" smtClean="0">
-                <a:latin typeface="Helvetica Neue"/>
-                <a:cs typeface="Helvetica Neue"/>
-              </a:rPr>
-              <a:t>?</a:t>
+              <a:t>demo</a:t>
             </a:r>
             <a:endParaRPr lang="de-DE" dirty="0"/>
           </a:p>
         </p:txBody>
       </p:sp>
-      <p:sp>
-        <p:nvSpPr>
-          <p:cNvPr id="3" name="Inhaltsplatzhalter 2"/>
-          <p:cNvSpPr>
-            <a:spLocks noGrp="1"/>
-          </p:cNvSpPr>
+      <p:pic>
+        <p:nvPicPr>
+          <p:cNvPr id="7" name="Inhaltsplatzhalter 6" descr="silver-v2.png"/>
+          <p:cNvPicPr>
+            <a:picLocks noGrp="1" noChangeAspect="1"/>
+          </p:cNvPicPr>
           <p:nvPr>
             <p:ph idx="1"/>
           </p:nvPr>
-        </p:nvSpPr>
+        </p:nvPicPr>
+        <p:blipFill>
+          <a:blip r:embed="rId2">
+            <a:extLst>
+              <a:ext uri="{28A0092B-C50C-407E-A947-70E740481C1C}">
+                <a14:useLocalDpi xmlns:a14="http://schemas.microsoft.com/office/drawing/2010/main" val="0"/>
+              </a:ext>
+            </a:extLst>
+          </a:blip>
+          <a:srcRect l="-114176" r="-114176"/>
+          <a:stretch>
+            <a:fillRect/>
+          </a:stretch>
+        </p:blipFill>
         <p:spPr>
           <a:xfrm>
-            <a:off x="457200" y="926086"/>
-            <a:ext cx="8229600" cy="5200077"/>
+            <a:off x="457200" y="925513"/>
+            <a:ext cx="8229600" cy="5200650"/>
           </a:xfrm>
         </p:spPr>
-        <p:txBody>
-          <a:bodyPr/>
-          <a:lstStyle/>
-          <a:p>
-            <a:pPr marL="0" indent="0">
-              <a:buNone/>
-            </a:pPr>
-            <a:r>
-              <a:rPr lang="de-DE" dirty="0" smtClean="0"/>
-              <a:t>Group 4</a:t>
-            </a:r>
-          </a:p>
-          <a:p>
-            <a:r>
-              <a:rPr lang="de-DE" dirty="0" smtClean="0"/>
-              <a:t>Alex</a:t>
-            </a:r>
-          </a:p>
-          <a:p>
-            <a:r>
-              <a:rPr lang="de-DE" dirty="0" smtClean="0"/>
-              <a:t>Gero</a:t>
-            </a:r>
-          </a:p>
-          <a:p>
-            <a:r>
-              <a:rPr lang="de-DE" dirty="0" smtClean="0"/>
-              <a:t>Igor</a:t>
-            </a:r>
-          </a:p>
-          <a:p>
-            <a:r>
-              <a:rPr lang="de-DE" dirty="0" smtClean="0"/>
-              <a:t>Rouven</a:t>
-            </a:r>
-          </a:p>
-          <a:p>
-            <a:r>
-              <a:rPr lang="de-DE" dirty="0" smtClean="0"/>
-              <a:t>Tim</a:t>
-            </a:r>
-          </a:p>
-          <a:p>
-            <a:endParaRPr lang="de-DE" dirty="0"/>
-          </a:p>
-          <a:p>
-            <a:pPr marL="0" indent="0">
-              <a:buNone/>
-            </a:pPr>
-            <a:r>
-              <a:rPr lang="de-DE" dirty="0" err="1" smtClean="0"/>
-              <a:t>Thank</a:t>
-            </a:r>
-            <a:r>
-              <a:rPr lang="de-DE" dirty="0" smtClean="0"/>
-              <a:t> </a:t>
-            </a:r>
-            <a:r>
-              <a:rPr lang="de-DE" dirty="0" err="1" smtClean="0"/>
-              <a:t>you</a:t>
-            </a:r>
-            <a:r>
-              <a:rPr lang="de-DE" dirty="0" smtClean="0"/>
-              <a:t>!</a:t>
-            </a:r>
-            <a:endParaRPr lang="de-DE" dirty="0"/>
-          </a:p>
-        </p:txBody>
-      </p:sp>
+      </p:pic>
       <p:grpSp>
         <p:nvGrpSpPr>
           <p:cNvPr id="4" name="Gruppierung 3"/>
@@ -6488,7 +6158,7 @@
             <p:nvPr/>
           </p:nvPicPr>
           <p:blipFill>
-            <a:blip r:embed="rId2">
+            <a:blip r:embed="rId3">
               <a:extLst>
                 <a:ext uri="{28A0092B-C50C-407E-A947-70E740481C1C}">
                   <a14:useLocalDpi xmlns:a14="http://schemas.microsoft.com/office/drawing/2010/main" val="0"/>
@@ -6510,10 +6180,70 @@
           </p:spPr>
         </p:pic>
       </p:grpSp>
+      <p:pic>
+        <p:nvPicPr>
+          <p:cNvPr id="10" name="Bild 9" descr="Bildschirmfoto 2014-07-06 um 11.03.22.png"/>
+          <p:cNvPicPr>
+            <a:picLocks noChangeAspect="1"/>
+          </p:cNvPicPr>
+          <p:nvPr/>
+        </p:nvPicPr>
+        <p:blipFill>
+          <a:blip r:embed="rId4">
+            <a:extLst>
+              <a:ext uri="{28A0092B-C50C-407E-A947-70E740481C1C}">
+                <a14:useLocalDpi xmlns:a14="http://schemas.microsoft.com/office/drawing/2010/main" val="0"/>
+              </a:ext>
+            </a:extLst>
+          </a:blip>
+          <a:stretch>
+            <a:fillRect/>
+          </a:stretch>
+        </p:blipFill>
+        <p:spPr>
+          <a:xfrm>
+            <a:off x="3464895" y="4017441"/>
+            <a:ext cx="2236463" cy="1076034"/>
+          </a:xfrm>
+          <a:prstGeom prst="rect">
+            <a:avLst/>
+          </a:prstGeom>
+        </p:spPr>
+      </p:pic>
+      <p:pic>
+        <p:nvPicPr>
+          <p:cNvPr id="11" name="Bild 10" descr="Bildschirmfoto 2014-07-06 um 13.10.30.png"/>
+          <p:cNvPicPr>
+            <a:picLocks noChangeAspect="1"/>
+          </p:cNvPicPr>
+          <p:nvPr/>
+        </p:nvPicPr>
+        <p:blipFill>
+          <a:blip r:embed="rId5">
+            <a:extLst>
+              <a:ext uri="{28A0092B-C50C-407E-A947-70E740481C1C}">
+                <a14:useLocalDpi xmlns:a14="http://schemas.microsoft.com/office/drawing/2010/main" val="0"/>
+              </a:ext>
+            </a:extLst>
+          </a:blip>
+          <a:stretch>
+            <a:fillRect/>
+          </a:stretch>
+        </p:blipFill>
+        <p:spPr>
+          <a:xfrm>
+            <a:off x="3457436" y="1680171"/>
+            <a:ext cx="2243922" cy="2504472"/>
+          </a:xfrm>
+          <a:prstGeom prst="rect">
+            <a:avLst/>
+          </a:prstGeom>
+        </p:spPr>
+      </p:pic>
     </p:spTree>
     <p:extLst>
       <p:ext uri="{BB962C8B-B14F-4D97-AF65-F5344CB8AC3E}">
-        <p14:creationId xmlns:p14="http://schemas.microsoft.com/office/powerpoint/2010/main" val="4102517697"/>
+        <p14:creationId xmlns:p14="http://schemas.microsoft.com/office/powerpoint/2010/main" val="3349118346"/>
       </p:ext>
     </p:extLst>
   </p:cSld>

--- a/presentation/presentation.pptx
+++ b/presentation/presentation.pptx
@@ -6,12 +6,11 @@
   </p:sldMasterIdLst>
   <p:sldIdLst>
     <p:sldId id="256" r:id="rId2"/>
-    <p:sldId id="258" r:id="rId3"/>
-    <p:sldId id="262" r:id="rId4"/>
-    <p:sldId id="263" r:id="rId5"/>
-    <p:sldId id="257" r:id="rId6"/>
-    <p:sldId id="259" r:id="rId7"/>
-    <p:sldId id="260" r:id="rId8"/>
+    <p:sldId id="262" r:id="rId3"/>
+    <p:sldId id="263" r:id="rId4"/>
+    <p:sldId id="257" r:id="rId5"/>
+    <p:sldId id="259" r:id="rId6"/>
+    <p:sldId id="260" r:id="rId7"/>
   </p:sldIdLst>
   <p:sldSz cx="9144000" cy="6858000" type="screen4x3"/>
   <p:notesSz cx="6858000" cy="9144000"/>
@@ -3269,235 +3268,6 @@
         </p:nvSpPr>
         <p:spPr>
           <a:xfrm>
-            <a:off x="801133" y="2656545"/>
-            <a:ext cx="7320987" cy="1497613"/>
-          </a:xfrm>
-        </p:spPr>
-        <p:txBody>
-          <a:bodyPr>
-            <a:normAutofit/>
-          </a:bodyPr>
-          <a:lstStyle/>
-          <a:p>
-            <a:pPr marL="0" indent="0">
-              <a:buNone/>
-            </a:pPr>
-            <a:r>
-              <a:rPr lang="de-DE" sz="8800" dirty="0" err="1" smtClean="0">
-                <a:latin typeface="Helvetica Neue"/>
-                <a:cs typeface="Helvetica Neue"/>
-              </a:rPr>
-              <a:t>What</a:t>
-            </a:r>
-            <a:r>
-              <a:rPr lang="de-DE" sz="8800" dirty="0" smtClean="0">
-                <a:latin typeface="Helvetica Neue"/>
-                <a:cs typeface="Helvetica Neue"/>
-              </a:rPr>
-              <a:t> </a:t>
-            </a:r>
-            <a:r>
-              <a:rPr lang="de-DE" sz="8800" dirty="0" err="1" smtClean="0">
-                <a:latin typeface="Helvetica Neue"/>
-                <a:cs typeface="Helvetica Neue"/>
-              </a:rPr>
-              <a:t>is</a:t>
-            </a:r>
-            <a:r>
-              <a:rPr lang="de-DE" sz="8800" dirty="0" smtClean="0">
-                <a:latin typeface="Helvetica Neue"/>
-                <a:cs typeface="Helvetica Neue"/>
-              </a:rPr>
-              <a:t> </a:t>
-            </a:r>
-            <a:r>
-              <a:rPr lang="de-DE" sz="8800" dirty="0" err="1" smtClean="0">
-                <a:latin typeface="Helvetica Neue"/>
-                <a:cs typeface="Helvetica Neue"/>
-              </a:rPr>
-              <a:t>it</a:t>
-            </a:r>
-            <a:r>
-              <a:rPr lang="de-DE" sz="8800" dirty="0" smtClean="0">
-                <a:latin typeface="Helvetica Neue"/>
-                <a:cs typeface="Helvetica Neue"/>
-              </a:rPr>
-              <a:t>?</a:t>
-            </a:r>
-            <a:endParaRPr lang="de-DE" sz="8800" dirty="0"/>
-          </a:p>
-        </p:txBody>
-      </p:sp>
-      <p:grpSp>
-        <p:nvGrpSpPr>
-          <p:cNvPr id="4" name="Gruppierung 3"/>
-          <p:cNvGrpSpPr/>
-          <p:nvPr/>
-        </p:nvGrpSpPr>
-        <p:grpSpPr>
-          <a:xfrm>
-            <a:off x="6423772" y="314328"/>
-            <a:ext cx="2263028" cy="399552"/>
-            <a:chOff x="6423772" y="314328"/>
-            <a:chExt cx="2263028" cy="399552"/>
-          </a:xfrm>
-        </p:grpSpPr>
-        <p:sp>
-          <p:nvSpPr>
-            <p:cNvPr id="5" name="Titel 1"/>
-            <p:cNvSpPr txBox="1">
-              <a:spLocks/>
-            </p:cNvSpPr>
-            <p:nvPr/>
-          </p:nvSpPr>
-          <p:spPr>
-            <a:xfrm>
-              <a:off x="7554676" y="330815"/>
-              <a:ext cx="1132124" cy="276509"/>
-            </a:xfrm>
-            <a:prstGeom prst="rect">
-              <a:avLst/>
-            </a:prstGeom>
-          </p:spPr>
-          <p:txBody>
-            <a:bodyPr vert="horz" lIns="91440" tIns="45720" rIns="91440" bIns="45720" rtlCol="0" anchor="ctr">
-              <a:noAutofit/>
-            </a:bodyPr>
-            <a:lstStyle>
-              <a:lvl1pPr algn="ctr" defTabSz="457200" rtl="0" eaLnBrk="1" latinLnBrk="0" hangingPunct="1">
-                <a:spcBef>
-                  <a:spcPct val="0"/>
-                </a:spcBef>
-                <a:buNone/>
-                <a:defRPr sz="4400" kern="1200">
-                  <a:solidFill>
-                    <a:schemeClr val="tx1"/>
-                  </a:solidFill>
-                  <a:latin typeface="+mj-lt"/>
-                  <a:ea typeface="+mj-ea"/>
-                  <a:cs typeface="+mj-cs"/>
-                </a:defRPr>
-              </a:lvl1pPr>
-            </a:lstStyle>
-            <a:p>
-              <a:r>
-                <a:rPr lang="de-DE" sz="2400" dirty="0" smtClean="0">
-                  <a:solidFill>
-                    <a:srgbClr val="888888"/>
-                  </a:solidFill>
-                  <a:latin typeface="Helvetica Neue"/>
-                  <a:cs typeface="Helvetica Neue"/>
-                </a:rPr>
-                <a:t>/</a:t>
-              </a:r>
-              <a:r>
-                <a:rPr lang="de-DE" sz="2400" dirty="0" err="1" smtClean="0">
-                  <a:solidFill>
-                    <a:srgbClr val="888888"/>
-                  </a:solidFill>
-                  <a:latin typeface="Helvetica Neue"/>
-                  <a:cs typeface="Helvetica Neue"/>
-                </a:rPr>
-                <a:t>now</a:t>
-              </a:r>
-              <a:endParaRPr lang="de-DE" sz="2400" dirty="0">
-                <a:solidFill>
-                  <a:srgbClr val="888888"/>
-                </a:solidFill>
-                <a:latin typeface="Helvetica Neue"/>
-                <a:cs typeface="Helvetica Neue"/>
-              </a:endParaRPr>
-            </a:p>
-          </p:txBody>
-        </p:sp>
-        <p:pic>
-          <p:nvPicPr>
-            <p:cNvPr id="6" name="Bild 5" descr="logo@2x_.png"/>
-            <p:cNvPicPr>
-              <a:picLocks noChangeAspect="1"/>
-            </p:cNvPicPr>
-            <p:nvPr/>
-          </p:nvPicPr>
-          <p:blipFill>
-            <a:blip r:embed="rId2">
-              <a:extLst>
-                <a:ext uri="{28A0092B-C50C-407E-A947-70E740481C1C}">
-                  <a14:useLocalDpi xmlns:a14="http://schemas.microsoft.com/office/drawing/2010/main" val="0"/>
-                </a:ext>
-              </a:extLst>
-            </a:blip>
-            <a:stretch>
-              <a:fillRect/>
-            </a:stretch>
-          </p:blipFill>
-          <p:spPr>
-            <a:xfrm>
-              <a:off x="6423772" y="314328"/>
-              <a:ext cx="1354415" cy="399552"/>
-            </a:xfrm>
-            <a:prstGeom prst="rect">
-              <a:avLst/>
-            </a:prstGeom>
-          </p:spPr>
-        </p:pic>
-      </p:grpSp>
-    </p:spTree>
-    <p:extLst>
-      <p:ext uri="{BB962C8B-B14F-4D97-AF65-F5344CB8AC3E}">
-        <p14:creationId xmlns:p14="http://schemas.microsoft.com/office/powerpoint/2010/main" val="2806676724"/>
-      </p:ext>
-    </p:extLst>
-  </p:cSld>
-  <p:clrMapOvr>
-    <a:masterClrMapping/>
-  </p:clrMapOvr>
-  <mc:AlternateContent xmlns:mc="http://schemas.openxmlformats.org/markup-compatibility/2006">
-    <mc:Choice xmlns:p14="http://schemas.microsoft.com/office/powerpoint/2010/main" Requires="p14">
-      <p:transition p14:dur="0"/>
-    </mc:Choice>
-    <mc:Fallback>
-      <p:transition xmlns:p14="http://schemas.microsoft.com/office/powerpoint/2010/main"/>
-    </mc:Fallback>
-  </mc:AlternateContent>
-  <p:timing>
-    <p:tnLst>
-      <p:par>
-        <p:cTn xmlns:p14="http://schemas.microsoft.com/office/powerpoint/2010/main" id="1" dur="indefinite" restart="never" nodeType="tmRoot"/>
-      </p:par>
-    </p:tnLst>
-  </p:timing>
-</p:sld>
-</file>
-
-<file path=ppt/slides/slide3.xml><?xml version="1.0" encoding="utf-8"?>
-<p:sld xmlns:a="http://schemas.openxmlformats.org/drawingml/2006/main" xmlns:r="http://schemas.openxmlformats.org/officeDocument/2006/relationships" xmlns:p="http://schemas.openxmlformats.org/presentationml/2006/main">
-  <p:cSld>
-    <p:spTree>
-      <p:nvGrpSpPr>
-        <p:cNvPr id="1" name=""/>
-        <p:cNvGrpSpPr/>
-        <p:nvPr/>
-      </p:nvGrpSpPr>
-      <p:grpSpPr>
-        <a:xfrm>
-          <a:off x="0" y="0"/>
-          <a:ext cx="0" cy="0"/>
-          <a:chOff x="0" y="0"/>
-          <a:chExt cx="0" cy="0"/>
-        </a:xfrm>
-      </p:grpSpPr>
-      <p:sp>
-        <p:nvSpPr>
-          <p:cNvPr id="3" name="Inhaltsplatzhalter 2"/>
-          <p:cNvSpPr>
-            <a:spLocks noGrp="1"/>
-          </p:cNvSpPr>
-          <p:nvPr>
-            <p:ph idx="1"/>
-          </p:nvPr>
-        </p:nvSpPr>
-        <p:spPr>
-          <a:xfrm>
             <a:off x="457200" y="2765024"/>
             <a:ext cx="8229600" cy="2990699"/>
           </a:xfrm>
@@ -3719,8 +3489,8 @@
 </p:sld>
 </file>
 
-<file path=ppt/slides/slide4.xml><?xml version="1.0" encoding="utf-8"?>
-<p:sld xmlns:a="http://schemas.openxmlformats.org/drawingml/2006/main" xmlns:r="http://schemas.openxmlformats.org/officeDocument/2006/relationships" xmlns:p="http://schemas.openxmlformats.org/presentationml/2006/main">
+<file path=ppt/slides/slide3.xml><?xml version="1.0" encoding="utf-8"?>
+<p:sld xmlns:a="http://schemas.openxmlformats.org/drawingml/2006/main" xmlns:r="http://schemas.openxmlformats.org/officeDocument/2006/relationships" xmlns:p="http://schemas.openxmlformats.org/presentationml/2006/main" show="0">
   <p:cSld>
     <p:spTree>
       <p:nvGrpSpPr>
@@ -3967,6 +3737,14 @@
   <p:clrMapOvr>
     <a:masterClrMapping/>
   </p:clrMapOvr>
+  <mc:AlternateContent xmlns:mc="http://schemas.openxmlformats.org/markup-compatibility/2006">
+    <mc:Choice xmlns:p14="http://schemas.microsoft.com/office/powerpoint/2010/main" Requires="p14">
+      <p:transition spd="slow" p14:dur="2000"/>
+    </mc:Choice>
+    <mc:Fallback>
+      <p:transition xmlns:p14="http://schemas.microsoft.com/office/powerpoint/2010/main" spd="slow"/>
+    </mc:Fallback>
+  </mc:AlternateContent>
   <p:timing>
     <p:tnLst>
       <p:par>
@@ -3977,7 +3755,7 @@
 </p:sld>
 </file>
 
-<file path=ppt/slides/slide5.xml><?xml version="1.0" encoding="utf-8"?>
+<file path=ppt/slides/slide4.xml><?xml version="1.0" encoding="utf-8"?>
 <p:sld xmlns:a="http://schemas.openxmlformats.org/drawingml/2006/main" xmlns:r="http://schemas.openxmlformats.org/officeDocument/2006/relationships" xmlns:p="http://schemas.openxmlformats.org/presentationml/2006/main">
   <p:cSld>
     <p:spTree>
@@ -4203,7 +3981,7 @@
       </p:pic>
       <p:grpSp>
         <p:nvGrpSpPr>
-          <p:cNvPr id="26" name="Gruppierung 25"/>
+          <p:cNvPr id="10" name="Gruppierung 9"/>
           <p:cNvGrpSpPr/>
           <p:nvPr/>
         </p:nvGrpSpPr>
@@ -4229,6 +4007,14 @@
             <a:prstGeom prst="rect">
               <a:avLst/>
             </a:prstGeom>
+            <a:solidFill>
+              <a:schemeClr val="bg1"/>
+            </a:solidFill>
+            <a:ln>
+              <a:solidFill>
+                <a:schemeClr val="accent1"/>
+              </a:solidFill>
+            </a:ln>
           </p:spPr>
           <p:style>
             <a:lnRef idx="1">
@@ -5027,7 +4813,7 @@
                             </p:stCondLst>
                             <p:childTnLst>
                               <p:par>
-                                <p:cTn id="17" presetID="3" presetClass="entr" presetSubtype="10" fill="hold" nodeType="clickEffect">
+                                <p:cTn id="17" presetID="1" presetClass="entr" presetSubtype="0" fill="hold" nodeType="clickEffect">
                                   <p:stCondLst>
                                     <p:cond delay="0"/>
                                   </p:stCondLst>
@@ -5040,7 +4826,7 @@
                                           </p:stCondLst>
                                         </p:cTn>
                                         <p:tgtEl>
-                                          <p:spTgt spid="26"/>
+                                          <p:spTgt spid="10"/>
                                         </p:tgtEl>
                                         <p:attrNameLst>
                                           <p:attrName>style.visibility</p:attrName>
@@ -5050,14 +4836,6 @@
                                         <p:strVal val="visible"/>
                                       </p:to>
                                     </p:set>
-                                    <p:animEffect transition="in" filter="blinds(horizontal)">
-                                      <p:cBhvr>
-                                        <p:cTn id="19" dur="500"/>
-                                        <p:tgtEl>
-                                          <p:spTgt spid="26"/>
-                                        </p:tgtEl>
-                                      </p:cBhvr>
-                                    </p:animEffect>
                                   </p:childTnLst>
                                 </p:cTn>
                               </p:par>
@@ -5068,26 +4846,26 @@
                     </p:cTn>
                   </p:par>
                   <p:par>
-                    <p:cTn id="20" fill="hold">
+                    <p:cTn id="19" fill="hold">
                       <p:stCondLst>
                         <p:cond delay="indefinite"/>
                       </p:stCondLst>
                       <p:childTnLst>
                         <p:par>
-                          <p:cTn id="21" fill="hold">
+                          <p:cTn id="20" fill="hold">
                             <p:stCondLst>
                               <p:cond delay="0"/>
                             </p:stCondLst>
                             <p:childTnLst>
                               <p:par>
-                                <p:cTn id="22" presetID="1" presetClass="entr" presetSubtype="0" fill="hold" nodeType="clickEffect">
+                                <p:cTn id="21" presetID="1" presetClass="entr" presetSubtype="0" fill="hold" nodeType="clickEffect">
                                   <p:stCondLst>
                                     <p:cond delay="0"/>
                                   </p:stCondLst>
                                   <p:childTnLst>
                                     <p:set>
                                       <p:cBhvr>
-                                        <p:cTn id="23" dur="1" fill="hold">
+                                        <p:cTn id="22" dur="1" fill="hold">
                                           <p:stCondLst>
                                             <p:cond delay="0"/>
                                           </p:stCondLst>
@@ -5107,14 +4885,14 @@
                                 </p:cTn>
                               </p:par>
                               <p:par>
-                                <p:cTn id="24" presetID="1" presetClass="entr" presetSubtype="0" fill="hold" nodeType="withEffect">
+                                <p:cTn id="23" presetID="1" presetClass="entr" presetSubtype="0" fill="hold" nodeType="withEffect">
                                   <p:stCondLst>
                                     <p:cond delay="0"/>
                                   </p:stCondLst>
                                   <p:childTnLst>
                                     <p:set>
                                       <p:cBhvr>
-                                        <p:cTn id="25" dur="1" fill="hold">
+                                        <p:cTn id="24" dur="1" fill="hold">
                                           <p:stCondLst>
                                             <p:cond delay="0"/>
                                           </p:stCondLst>
@@ -5134,14 +4912,14 @@
                                 </p:cTn>
                               </p:par>
                               <p:par>
-                                <p:cTn id="26" presetID="1" presetClass="entr" presetSubtype="0" fill="hold" nodeType="withEffect">
+                                <p:cTn id="25" presetID="1" presetClass="entr" presetSubtype="0" fill="hold" nodeType="withEffect">
                                   <p:stCondLst>
                                     <p:cond delay="0"/>
                                   </p:stCondLst>
                                   <p:childTnLst>
                                     <p:set>
                                       <p:cBhvr>
-                                        <p:cTn id="27" dur="1" fill="hold">
+                                        <p:cTn id="26" dur="1" fill="hold">
                                           <p:stCondLst>
                                             <p:cond delay="0"/>
                                           </p:stCondLst>
@@ -5161,14 +4939,14 @@
                                 </p:cTn>
                               </p:par>
                               <p:par>
-                                <p:cTn id="28" presetID="1" presetClass="entr" presetSubtype="0" fill="hold" nodeType="withEffect">
+                                <p:cTn id="27" presetID="1" presetClass="entr" presetSubtype="0" fill="hold" nodeType="withEffect">
                                   <p:stCondLst>
                                     <p:cond delay="0"/>
                                   </p:stCondLst>
                                   <p:childTnLst>
                                     <p:set>
                                       <p:cBhvr>
-                                        <p:cTn id="29" dur="1" fill="hold">
+                                        <p:cTn id="28" dur="1" fill="hold">
                                           <p:stCondLst>
                                             <p:cond delay="0"/>
                                           </p:stCondLst>
@@ -5188,14 +4966,14 @@
                                 </p:cTn>
                               </p:par>
                               <p:par>
-                                <p:cTn id="30" presetID="1" presetClass="entr" presetSubtype="0" fill="hold" nodeType="withEffect">
+                                <p:cTn id="29" presetID="1" presetClass="entr" presetSubtype="0" fill="hold" nodeType="withEffect">
                                   <p:stCondLst>
                                     <p:cond delay="0"/>
                                   </p:stCondLst>
                                   <p:childTnLst>
                                     <p:set>
                                       <p:cBhvr>
-                                        <p:cTn id="31" dur="1" fill="hold">
+                                        <p:cTn id="30" dur="1" fill="hold">
                                           <p:stCondLst>
                                             <p:cond delay="0"/>
                                           </p:stCondLst>
@@ -5215,14 +4993,14 @@
                                 </p:cTn>
                               </p:par>
                               <p:par>
-                                <p:cTn id="32" presetID="1" presetClass="entr" presetSubtype="0" fill="hold" nodeType="withEffect">
+                                <p:cTn id="31" presetID="1" presetClass="entr" presetSubtype="0" fill="hold" nodeType="withEffect">
                                   <p:stCondLst>
                                     <p:cond delay="0"/>
                                   </p:stCondLst>
                                   <p:childTnLst>
                                     <p:set>
                                       <p:cBhvr>
-                                        <p:cTn id="33" dur="1" fill="hold">
+                                        <p:cTn id="32" dur="1" fill="hold">
                                           <p:stCondLst>
                                             <p:cond delay="0"/>
                                           </p:stCondLst>
@@ -5248,26 +5026,26 @@
                     </p:cTn>
                   </p:par>
                   <p:par>
-                    <p:cTn id="34" fill="hold">
+                    <p:cTn id="33" fill="hold">
                       <p:stCondLst>
                         <p:cond delay="indefinite"/>
                       </p:stCondLst>
                       <p:childTnLst>
                         <p:par>
-                          <p:cTn id="35" fill="hold">
+                          <p:cTn id="34" fill="hold">
                             <p:stCondLst>
                               <p:cond delay="0"/>
                             </p:stCondLst>
                             <p:childTnLst>
                               <p:par>
-                                <p:cTn id="36" presetID="1" presetClass="entr" presetSubtype="0" fill="hold" nodeType="clickEffect">
+                                <p:cTn id="35" presetID="1" presetClass="entr" presetSubtype="0" fill="hold" nodeType="clickEffect">
                                   <p:stCondLst>
                                     <p:cond delay="0"/>
                                   </p:stCondLst>
                                   <p:childTnLst>
                                     <p:set>
                                       <p:cBhvr>
-                                        <p:cTn id="37" dur="1" fill="hold">
+                                        <p:cTn id="36" dur="1" fill="hold">
                                           <p:stCondLst>
                                             <p:cond delay="0"/>
                                           </p:stCondLst>
@@ -5293,26 +5071,26 @@
                     </p:cTn>
                   </p:par>
                   <p:par>
-                    <p:cTn id="38" fill="hold">
+                    <p:cTn id="37" fill="hold">
                       <p:stCondLst>
                         <p:cond delay="indefinite"/>
                       </p:stCondLst>
                       <p:childTnLst>
                         <p:par>
-                          <p:cTn id="39" fill="hold">
+                          <p:cTn id="38" fill="hold">
                             <p:stCondLst>
                               <p:cond delay="0"/>
                             </p:stCondLst>
                             <p:childTnLst>
                               <p:par>
-                                <p:cTn id="40" presetID="1" presetClass="entr" presetSubtype="0" fill="hold" nodeType="clickEffect">
+                                <p:cTn id="39" presetID="1" presetClass="entr" presetSubtype="0" fill="hold" nodeType="clickEffect">
                                   <p:stCondLst>
                                     <p:cond delay="0"/>
                                   </p:stCondLst>
                                   <p:childTnLst>
                                     <p:set>
                                       <p:cBhvr>
-                                        <p:cTn id="41" dur="1" fill="hold">
+                                        <p:cTn id="40" dur="1" fill="hold">
                                           <p:stCondLst>
                                             <p:cond delay="0"/>
                                           </p:stCondLst>
@@ -5338,26 +5116,26 @@
                     </p:cTn>
                   </p:par>
                   <p:par>
-                    <p:cTn id="42" fill="hold">
+                    <p:cTn id="41" fill="hold">
                       <p:stCondLst>
                         <p:cond delay="indefinite"/>
                       </p:stCondLst>
                       <p:childTnLst>
                         <p:par>
-                          <p:cTn id="43" fill="hold">
+                          <p:cTn id="42" fill="hold">
                             <p:stCondLst>
                               <p:cond delay="0"/>
                             </p:stCondLst>
                             <p:childTnLst>
                               <p:par>
-                                <p:cTn id="44" presetID="1" presetClass="entr" presetSubtype="0" fill="hold" nodeType="clickEffect">
+                                <p:cTn id="43" presetID="1" presetClass="entr" presetSubtype="0" fill="hold" nodeType="clickEffect">
                                   <p:stCondLst>
                                     <p:cond delay="0"/>
                                   </p:stCondLst>
                                   <p:childTnLst>
                                     <p:set>
                                       <p:cBhvr>
-                                        <p:cTn id="45" dur="1" fill="hold">
+                                        <p:cTn id="44" dur="1" fill="hold">
                                           <p:stCondLst>
                                             <p:cond delay="0"/>
                                           </p:stCondLst>
@@ -5383,70 +5161,26 @@
                     </p:cTn>
                   </p:par>
                   <p:par>
-                    <p:cTn id="46" fill="hold">
+                    <p:cTn id="45" fill="hold">
                       <p:stCondLst>
                         <p:cond delay="indefinite"/>
                       </p:stCondLst>
                       <p:childTnLst>
                         <p:par>
-                          <p:cTn id="47" fill="hold">
+                          <p:cTn id="46" fill="hold">
                             <p:stCondLst>
                               <p:cond delay="0"/>
                             </p:stCondLst>
                             <p:childTnLst>
                               <p:par>
-                                <p:cTn id="48" presetID="26" presetClass="emph" presetSubtype="0" fill="hold" nodeType="clickEffect">
-                                  <p:stCondLst>
-                                    <p:cond delay="0"/>
-                                  </p:stCondLst>
-                                  <p:childTnLst>
-                                    <p:animEffect transition="out" filter="fade">
-                                      <p:cBhvr>
-                                        <p:cTn id="49" dur="500" tmFilter="0, 0; .2, .5; .8, .5; 1, 0"/>
-                                        <p:tgtEl>
-                                          <p:spTgt spid="3"/>
-                                        </p:tgtEl>
-                                      </p:cBhvr>
-                                    </p:animEffect>
-                                    <p:animScale>
-                                      <p:cBhvr>
-                                        <p:cTn id="50" dur="250" autoRev="1" fill="hold"/>
-                                        <p:tgtEl>
-                                          <p:spTgt spid="3"/>
-                                        </p:tgtEl>
-                                      </p:cBhvr>
-                                      <p:by x="105000" y="105000"/>
-                                    </p:animScale>
-                                  </p:childTnLst>
-                                </p:cTn>
-                              </p:par>
-                            </p:childTnLst>
-                          </p:cTn>
-                        </p:par>
-                      </p:childTnLst>
-                    </p:cTn>
-                  </p:par>
-                  <p:par>
-                    <p:cTn id="51" fill="hold">
-                      <p:stCondLst>
-                        <p:cond delay="indefinite"/>
-                      </p:stCondLst>
-                      <p:childTnLst>
-                        <p:par>
-                          <p:cTn id="52" fill="hold">
-                            <p:stCondLst>
-                              <p:cond delay="0"/>
-                            </p:stCondLst>
-                            <p:childTnLst>
-                              <p:par>
-                                <p:cTn id="53" presetID="1" presetClass="entr" presetSubtype="0" fill="hold" grpId="0" nodeType="clickEffect">
+                                <p:cTn id="47" presetID="1" presetClass="entr" presetSubtype="0" fill="hold" grpId="0" nodeType="clickEffect">
                                   <p:stCondLst>
                                     <p:cond delay="0"/>
                                   </p:stCondLst>
                                   <p:childTnLst>
                                     <p:set>
                                       <p:cBhvr>
-                                        <p:cTn id="54" dur="1" fill="hold">
+                                        <p:cTn id="48" dur="1" fill="hold">
                                           <p:stCondLst>
                                             <p:cond delay="0"/>
                                           </p:stCondLst>
@@ -5499,8 +5233,8 @@
 </p:sld>
 </file>
 
-<file path=ppt/slides/slide6.xml><?xml version="1.0" encoding="utf-8"?>
-<p:sld xmlns:a="http://schemas.openxmlformats.org/drawingml/2006/main" xmlns:r="http://schemas.openxmlformats.org/officeDocument/2006/relationships" xmlns:p="http://schemas.openxmlformats.org/presentationml/2006/main">
+<file path=ppt/slides/slide5.xml><?xml version="1.0" encoding="utf-8"?>
+<p:sld xmlns:a="http://schemas.openxmlformats.org/drawingml/2006/main" xmlns:r="http://schemas.openxmlformats.org/officeDocument/2006/relationships" xmlns:p="http://schemas.openxmlformats.org/presentationml/2006/main" show="0">
   <p:cSld>
     <p:spTree>
       <p:nvGrpSpPr>
@@ -5969,6 +5703,14 @@
   <p:clrMapOvr>
     <a:masterClrMapping/>
   </p:clrMapOvr>
+  <mc:AlternateContent xmlns:mc="http://schemas.openxmlformats.org/markup-compatibility/2006">
+    <mc:Choice xmlns:p14="http://schemas.microsoft.com/office/powerpoint/2010/main" Requires="p14">
+      <p:transition spd="slow" p14:dur="2000"/>
+    </mc:Choice>
+    <mc:Fallback>
+      <p:transition xmlns:p14="http://schemas.microsoft.com/office/powerpoint/2010/main" spd="slow"/>
+    </mc:Fallback>
+  </mc:AlternateContent>
   <p:timing>
     <p:tnLst>
       <p:par>
@@ -5979,7 +5721,7 @@
 </p:sld>
 </file>
 
-<file path=ppt/slides/slide7.xml><?xml version="1.0" encoding="utf-8"?>
+<file path=ppt/slides/slide6.xml><?xml version="1.0" encoding="utf-8"?>
 <p:sld xmlns:a="http://schemas.openxmlformats.org/drawingml/2006/main" xmlns:r="http://schemas.openxmlformats.org/officeDocument/2006/relationships" xmlns:p="http://schemas.openxmlformats.org/presentationml/2006/main">
   <p:cSld>
     <p:spTree>
